--- a/oop-design-progression.pptx
+++ b/oop-design-progression.pptx
@@ -5,7 +5,7 @@
     <p:sldMasterId id="2147483648" r:id="rId1"/>
   </p:sldMasterIdLst>
   <p:notesMasterIdLst>
-    <p:notesMasterId r:id="rId10"/>
+    <p:notesMasterId r:id="rId11"/>
   </p:notesMasterIdLst>
   <p:sldIdLst>
     <p:sldId id="256" r:id="rId2"/>
@@ -13,9 +13,10 @@
     <p:sldId id="263" r:id="rId4"/>
     <p:sldId id="258" r:id="rId5"/>
     <p:sldId id="259" r:id="rId6"/>
-    <p:sldId id="260" r:id="rId7"/>
-    <p:sldId id="261" r:id="rId8"/>
-    <p:sldId id="262" r:id="rId9"/>
+    <p:sldId id="264" r:id="rId7"/>
+    <p:sldId id="265" r:id="rId8"/>
+    <p:sldId id="261" r:id="rId9"/>
+    <p:sldId id="262" r:id="rId10"/>
   </p:sldIdLst>
   <p:sldSz cx="9144000" cy="6858000" type="screen4x3"/>
   <p:notesSz cx="6858000" cy="9144000"/>
@@ -464,88 +465,6 @@
     </a:lvl9pPr>
   </p:notesStyle>
 </p:notesMaster>
-</file>
-
-<file path=ppt/notesSlides/notesSlide1.xml><?xml version="1.0" encoding="utf-8"?>
-<p:notes xmlns:a="http://schemas.openxmlformats.org/drawingml/2006/main" xmlns:r="http://schemas.openxmlformats.org/officeDocument/2006/relationships" xmlns:p="http://schemas.openxmlformats.org/presentationml/2006/main">
-  <p:cSld>
-    <p:spTree>
-      <p:nvGrpSpPr>
-        <p:cNvPr id="1" name=""/>
-        <p:cNvGrpSpPr/>
-        <p:nvPr/>
-      </p:nvGrpSpPr>
-      <p:grpSpPr>
-        <a:xfrm>
-          <a:off x="0" y="0"/>
-          <a:ext cx="0" cy="0"/>
-          <a:chOff x="0" y="0"/>
-          <a:chExt cx="0" cy="0"/>
-        </a:xfrm>
-      </p:grpSpPr>
-      <p:sp>
-        <p:nvSpPr>
-          <p:cNvPr id="2" name="Slide Image Placeholder 1"/>
-          <p:cNvSpPr>
-            <a:spLocks noGrp="1" noRot="1" noChangeAspect="1"/>
-          </p:cNvSpPr>
-          <p:nvPr>
-            <p:ph type="sldImg"/>
-          </p:nvPr>
-        </p:nvSpPr>
-        <p:spPr/>
-      </p:sp>
-      <p:sp>
-        <p:nvSpPr>
-          <p:cNvPr id="3" name="Notes Placeholder 2"/>
-          <p:cNvSpPr>
-            <a:spLocks noGrp="1"/>
-          </p:cNvSpPr>
-          <p:nvPr>
-            <p:ph type="body" idx="1"/>
-          </p:nvPr>
-        </p:nvSpPr>
-        <p:spPr/>
-        <p:txBody>
-          <a:bodyPr>
-            <a:normAutofit/>
-          </a:bodyPr>
-          <a:lstStyle/>
-          <a:p>
-            <a:endParaRPr lang="en-US" dirty="0"/>
-          </a:p>
-        </p:txBody>
-      </p:sp>
-      <p:sp>
-        <p:nvSpPr>
-          <p:cNvPr id="4" name="Slide Number Placeholder 3"/>
-          <p:cNvSpPr>
-            <a:spLocks noGrp="1"/>
-          </p:cNvSpPr>
-          <p:nvPr>
-            <p:ph type="sldNum" sz="quarter" idx="10"/>
-          </p:nvPr>
-        </p:nvSpPr>
-        <p:spPr/>
-        <p:txBody>
-          <a:bodyPr/>
-          <a:lstStyle/>
-          <a:p>
-            <a:fld id="{83F2A8D0-5734-4E9C-8206-2EA6D78CB465}" type="slidenum">
-              <a:rPr lang="en-US" smtClean="0"/>
-              <a:pPr/>
-              <a:t>6</a:t>
-            </a:fld>
-            <a:endParaRPr lang="en-US"/>
-          </a:p>
-        </p:txBody>
-      </p:sp>
-    </p:spTree>
-  </p:cSld>
-  <p:clrMapOvr>
-    <a:masterClrMapping/>
-  </p:clrMapOvr>
-</p:notes>
 </file>
 
 <file path=ppt/slideLayouts/slideLayout1.xml><?xml version="1.0" encoding="utf-8"?>
@@ -3540,11 +3459,27 @@
           <a:p>
             <a:r>
               <a:rPr lang="en-US" dirty="0" smtClean="0"/>
-              <a:t>OOP </a:t>
+              <a:t>OOP Design </a:t>
             </a:r>
             <a:r>
               <a:rPr lang="en-US" dirty="0" smtClean="0"/>
-              <a:t>Design Progression</a:t>
+              <a:t>Progression</a:t>
+            </a:r>
+          </a:p>
+          <a:p>
+            <a:r>
+              <a:rPr lang="en-US" dirty="0" smtClean="0"/>
+              <a:t>u</a:t>
+            </a:r>
+            <a:r>
+              <a:rPr lang="en-US" dirty="0" smtClean="0"/>
+              <a:t>sing</a:t>
+            </a:r>
+          </a:p>
+          <a:p>
+            <a:r>
+              <a:rPr lang="en-US" dirty="0" smtClean="0"/>
+              <a:t>S.O.L.I.D. Principles</a:t>
             </a:r>
             <a:endParaRPr lang="en-US" dirty="0" smtClean="0"/>
           </a:p>
@@ -3555,6 +3490,13 @@
   <p:clrMapOvr>
     <a:masterClrMapping/>
   </p:clrMapOvr>
+  <p:timing>
+    <p:tnLst>
+      <p:par>
+        <p:cTn id="1" dur="indefinite" restart="never" nodeType="tmRoot"/>
+      </p:par>
+    </p:tnLst>
+  </p:timing>
 </p:sld>
 </file>
 
@@ -3631,6 +3573,13 @@
   <p:clrMapOvr>
     <a:masterClrMapping/>
   </p:clrMapOvr>
+  <p:timing>
+    <p:tnLst>
+      <p:par>
+        <p:cTn id="1" dur="indefinite" restart="never" nodeType="tmRoot"/>
+      </p:par>
+    </p:tnLst>
+  </p:timing>
 </p:sld>
 </file>
 
@@ -3760,7 +3709,15 @@
             </a:r>
             <a:r>
               <a:rPr lang="en-US" sz="2200" dirty="0"/>
-              <a:t> - Specialized classes (sub-classes) can be used wherever generalized (parents) classes are being </a:t>
+              <a:t> - Specialized classes (sub-classes) can be used wherever generalized </a:t>
+            </a:r>
+            <a:r>
+              <a:rPr lang="en-US" sz="2200" dirty="0" smtClean="0"/>
+              <a:t>classes (parents) are </a:t>
+            </a:r>
+            <a:r>
+              <a:rPr lang="en-US" sz="2200" dirty="0"/>
+              <a:t>being </a:t>
             </a:r>
             <a:r>
               <a:rPr lang="en-US" sz="2200" dirty="0" smtClean="0"/>
@@ -3850,6 +3807,13 @@
   <p:clrMapOvr>
     <a:masterClrMapping/>
   </p:clrMapOvr>
+  <p:timing>
+    <p:tnLst>
+      <p:par>
+        <p:cTn id="1" dur="indefinite" restart="never" nodeType="tmRoot"/>
+      </p:par>
+    </p:tnLst>
+  </p:timing>
 </p:sld>
 </file>
 
@@ -3934,6 +3898,13 @@
   <p:clrMapOvr>
     <a:masterClrMapping/>
   </p:clrMapOvr>
+  <p:timing>
+    <p:tnLst>
+      <p:par>
+        <p:cTn id="1" dur="indefinite" restart="never" nodeType="tmRoot"/>
+      </p:par>
+    </p:tnLst>
+  </p:timing>
 </p:sld>
 </file>
 
@@ -4035,6 +4006,13 @@
   <p:clrMapOvr>
     <a:masterClrMapping/>
   </p:clrMapOvr>
+  <p:timing>
+    <p:tnLst>
+      <p:par>
+        <p:cTn id="1" dur="indefinite" restart="never" nodeType="tmRoot"/>
+      </p:par>
+    </p:tnLst>
+  </p:timing>
 </p:sld>
 </file>
 
@@ -4057,12 +4035,12 @@
       </p:grpSpPr>
       <p:sp>
         <p:nvSpPr>
-          <p:cNvPr id="2" name="Title 1"/>
-          <p:cNvSpPr>
-            <a:spLocks noGrp="1"/>
-          </p:cNvSpPr>
-          <p:nvPr>
-            <p:ph type="title"/>
+          <p:cNvPr id="4" name="Title 3"/>
+          <p:cNvSpPr>
+            <a:spLocks noGrp="1"/>
+          </p:cNvSpPr>
+          <p:nvPr>
+            <p:ph type="ctrTitle"/>
           </p:nvPr>
         </p:nvSpPr>
         <p:spPr/>
@@ -4083,16 +4061,95 @@
               <a:rPr lang="en-US" dirty="0" smtClean="0"/>
               <a:t>and Dependency Inversion Principles</a:t>
             </a:r>
-            <a:br>
+            <a:endParaRPr lang="en-US" dirty="0"/>
+          </a:p>
+        </p:txBody>
+      </p:sp>
+      <p:sp>
+        <p:nvSpPr>
+          <p:cNvPr id="5" name="Subtitle 4"/>
+          <p:cNvSpPr>
+            <a:spLocks noGrp="1"/>
+          </p:cNvSpPr>
+          <p:nvPr>
+            <p:ph type="subTitle" idx="1"/>
+          </p:nvPr>
+        </p:nvSpPr>
+        <p:spPr/>
+        <p:txBody>
+          <a:bodyPr/>
+          <a:lstStyle/>
+          <a:p>
+            <a:endParaRPr lang="en-US"/>
+          </a:p>
+        </p:txBody>
+      </p:sp>
+    </p:spTree>
+  </p:cSld>
+  <p:clrMapOvr>
+    <a:masterClrMapping/>
+  </p:clrMapOvr>
+  <p:timing>
+    <p:tnLst>
+      <p:par>
+        <p:cTn id="1" dur="indefinite" restart="never" nodeType="tmRoot"/>
+      </p:par>
+    </p:tnLst>
+  </p:timing>
+</p:sld>
+</file>
+
+<file path=ppt/slides/slide7.xml><?xml version="1.0" encoding="utf-8"?>
+<p:sld xmlns:a="http://schemas.openxmlformats.org/drawingml/2006/main" xmlns:r="http://schemas.openxmlformats.org/officeDocument/2006/relationships" xmlns:p="http://schemas.openxmlformats.org/presentationml/2006/main">
+  <p:cSld>
+    <p:spTree>
+      <p:nvGrpSpPr>
+        <p:cNvPr id="1" name=""/>
+        <p:cNvGrpSpPr/>
+        <p:nvPr/>
+      </p:nvGrpSpPr>
+      <p:grpSpPr>
+        <a:xfrm>
+          <a:off x="0" y="0"/>
+          <a:ext cx="0" cy="0"/>
+          <a:chOff x="0" y="0"/>
+          <a:chExt cx="0" cy="0"/>
+        </a:xfrm>
+      </p:grpSpPr>
+      <p:sp>
+        <p:nvSpPr>
+          <p:cNvPr id="2" name="Title 1"/>
+          <p:cNvSpPr>
+            <a:spLocks noGrp="1"/>
+          </p:cNvSpPr>
+          <p:nvPr>
+            <p:ph type="title"/>
+          </p:nvPr>
+        </p:nvSpPr>
+        <p:spPr/>
+        <p:txBody>
+          <a:bodyPr/>
+          <a:lstStyle/>
+          <a:p>
+            <a:r>
               <a:rPr lang="en-US" dirty="0" smtClean="0"/>
-            </a:br>
+              <a:t>Controllers-Boards-</a:t>
+            </a:r>
+            <a:r>
+              <a:rPr lang="en-US" dirty="0" err="1" smtClean="0"/>
+              <a:t>Initializers</a:t>
+            </a:r>
+            <a:r>
+              <a:rPr lang="en-US" dirty="0" smtClean="0"/>
+              <a:t> </a:t>
+            </a:r>
             <a:endParaRPr lang="en-US" dirty="0"/>
           </a:p>
         </p:txBody>
       </p:sp>
       <p:pic>
         <p:nvPicPr>
-          <p:cNvPr id="4098" name="Picture 2"/>
+          <p:cNvPr id="4" name="Picture 2"/>
           <p:cNvPicPr>
             <a:picLocks noGrp="1" noChangeAspect="1" noChangeArrowheads="1"/>
           </p:cNvPicPr>
@@ -4101,7 +4158,7 @@
           </p:nvPr>
         </p:nvPicPr>
         <p:blipFill>
-          <a:blip r:embed="rId3" cstate="print"/>
+          <a:blip r:embed="rId2" cstate="print"/>
           <a:srcRect/>
           <a:stretch>
             <a:fillRect/>
@@ -4129,10 +4186,17 @@
   <p:clrMapOvr>
     <a:masterClrMapping/>
   </p:clrMapOvr>
+  <p:timing>
+    <p:tnLst>
+      <p:par>
+        <p:cTn id="1" dur="indefinite" restart="never" nodeType="tmRoot"/>
+      </p:par>
+    </p:tnLst>
+  </p:timing>
 </p:sld>
 </file>
 
-<file path=ppt/slides/slide7.xml><?xml version="1.0" encoding="utf-8"?>
+<file path=ppt/slides/slide8.xml><?xml version="1.0" encoding="utf-8"?>
 <p:sld xmlns:a="http://schemas.openxmlformats.org/drawingml/2006/main" xmlns:r="http://schemas.openxmlformats.org/officeDocument/2006/relationships" xmlns:p="http://schemas.openxmlformats.org/presentationml/2006/main">
   <p:cSld>
     <p:spTree>
@@ -4162,21 +4226,18 @@
         <p:spPr/>
         <p:txBody>
           <a:bodyPr>
-            <a:normAutofit fontScale="90000"/>
+            <a:noAutofit/>
           </a:bodyPr>
           <a:lstStyle/>
           <a:p>
+            <a:r>
+              <a:rPr lang="en-US" dirty="0" smtClean="0"/>
+              <a:t>Controllers-Boards-</a:t>
+            </a:r>
             <a:r>
               <a:rPr lang="en-US" dirty="0" err="1" smtClean="0"/>
               <a:t>Persisters</a:t>
             </a:r>
-            <a:r>
-              <a:rPr lang="en-US" dirty="0" smtClean="0"/>
-              <a:t/>
-            </a:r>
-            <a:br>
-              <a:rPr lang="en-US" dirty="0" smtClean="0"/>
-            </a:br>
             <a:endParaRPr lang="en-US" dirty="0"/>
           </a:p>
         </p:txBody>
@@ -4220,10 +4281,17 @@
   <p:clrMapOvr>
     <a:masterClrMapping/>
   </p:clrMapOvr>
+  <p:timing>
+    <p:tnLst>
+      <p:par>
+        <p:cTn id="1" dur="indefinite" restart="never" nodeType="tmRoot"/>
+      </p:par>
+    </p:tnLst>
+  </p:timing>
 </p:sld>
 </file>
 
-<file path=ppt/slides/slide8.xml><?xml version="1.0" encoding="utf-8"?>
+<file path=ppt/slides/slide9.xml><?xml version="1.0" encoding="utf-8"?>
 <p:sld xmlns:a="http://schemas.openxmlformats.org/drawingml/2006/main" xmlns:r="http://schemas.openxmlformats.org/officeDocument/2006/relationships" xmlns:p="http://schemas.openxmlformats.org/presentationml/2006/main">
   <p:cSld>
     <p:spTree>
@@ -4257,7 +4325,7 @@
           <a:p>
             <a:r>
               <a:rPr lang="en-US" dirty="0" smtClean="0"/>
-              <a:t>Renderers</a:t>
+              <a:t>Controllers-Boards-Renderers</a:t>
             </a:r>
             <a:endParaRPr lang="en-US" dirty="0"/>
           </a:p>
@@ -4265,7 +4333,7 @@
       </p:sp>
       <p:pic>
         <p:nvPicPr>
-          <p:cNvPr id="6146" name="Picture 2"/>
+          <p:cNvPr id="1027" name="Picture 3"/>
           <p:cNvPicPr>
             <a:picLocks noGrp="1" noChangeAspect="1" noChangeArrowheads="1"/>
           </p:cNvPicPr>
@@ -4302,6 +4370,13 @@
   <p:clrMapOvr>
     <a:masterClrMapping/>
   </p:clrMapOvr>
+  <p:timing>
+    <p:tnLst>
+      <p:par>
+        <p:cTn id="1" dur="indefinite" restart="never" nodeType="tmRoot"/>
+      </p:par>
+    </p:tnLst>
+  </p:timing>
 </p:sld>
 </file>
 
